--- a/Final Capstone Presentation.pptx
+++ b/Final Capstone Presentation.pptx
@@ -19,10 +19,10 @@
     <p:sldId id="4473" r:id="rId10"/>
     <p:sldId id="4474" r:id="rId11"/>
     <p:sldId id="4475" r:id="rId12"/>
-    <p:sldId id="4476" r:id="rId13"/>
-    <p:sldId id="4479" r:id="rId14"/>
-    <p:sldId id="4488" r:id="rId15"/>
-    <p:sldId id="4487" r:id="rId16"/>
+    <p:sldId id="4490" r:id="rId13"/>
+    <p:sldId id="4476" r:id="rId14"/>
+    <p:sldId id="4479" r:id="rId15"/>
+    <p:sldId id="4488" r:id="rId16"/>
     <p:sldId id="4480" r:id="rId17"/>
     <p:sldId id="4481" r:id="rId18"/>
     <p:sldId id="4482" r:id="rId19"/>
@@ -138,29 +138,290 @@
 </p:presentation>
 </file>
 
+<file path=ppt/revisionInfo.xml><?xml version="1.0" encoding="utf-8"?>
+<p1510:revInfo xmlns:a="http://schemas.openxmlformats.org/drawingml/2006/main" xmlns:r="http://schemas.openxmlformats.org/officeDocument/2006/relationships" xmlns:p1510="http://schemas.microsoft.com/office/powerpoint/2015/10/main">
+  <p1510:revLst>
+    <p1510:client id="{A7D36B03-1DFB-4151-B8C5-31FE6C8D71E0}" v="14" dt="2025-06-13T11:27:44.988"/>
+  </p1510:revLst>
+</p1510:revInfo>
+</file>
+
 <file path=ppt/changesInfos/changesInfo1.xml><?xml version="1.0" encoding="utf-8"?>
 <pc:chgInfo xmlns:a="http://schemas.openxmlformats.org/drawingml/2006/main" xmlns:r="http://schemas.openxmlformats.org/officeDocument/2006/relationships" xmlns:ac="http://schemas.microsoft.com/office/drawing/2013/main/command" xmlns:pc="http://schemas.microsoft.com/office/powerpoint/2013/main/command">
   <pc:docChgLst>
-    <pc:chgData name="Varun Vishwakarma" userId="43a870515f1c98d9" providerId="LiveId" clId="{A8999AB4-6F6D-4645-AC54-8DF64ABD915F}"/>
-    <pc:docChg chg="modSld">
-      <pc:chgData name="Varun Vishwakarma" userId="43a870515f1c98d9" providerId="LiveId" clId="{A8999AB4-6F6D-4645-AC54-8DF64ABD915F}" dt="2025-06-13T05:31:58.994" v="22" actId="20577"/>
+    <pc:chgData name="Varun Vishwakarma" userId="43a870515f1c98d9" providerId="LiveId" clId="{A7D36B03-1DFB-4151-B8C5-31FE6C8D71E0}"/>
+    <pc:docChg chg="undo custSel addSld delSld modSld">
+      <pc:chgData name="Varun Vishwakarma" userId="43a870515f1c98d9" providerId="LiveId" clId="{A7D36B03-1DFB-4151-B8C5-31FE6C8D71E0}" dt="2025-06-13T11:31:32.653" v="138" actId="20577"/>
       <pc:docMkLst>
         <pc:docMk/>
       </pc:docMkLst>
       <pc:sldChg chg="modSp mod">
-        <pc:chgData name="Varun Vishwakarma" userId="43a870515f1c98d9" providerId="LiveId" clId="{A8999AB4-6F6D-4645-AC54-8DF64ABD915F}" dt="2025-06-13T05:31:58.994" v="22" actId="20577"/>
+        <pc:chgData name="Varun Vishwakarma" userId="43a870515f1c98d9" providerId="LiveId" clId="{A7D36B03-1DFB-4151-B8C5-31FE6C8D71E0}" dt="2025-06-13T11:25:21.538" v="116" actId="20577"/>
         <pc:sldMkLst>
           <pc:docMk/>
-          <pc:sldMk cId="0" sldId="260"/>
+          <pc:sldMk cId="0" sldId="4443"/>
         </pc:sldMkLst>
         <pc:spChg chg="mod">
-          <ac:chgData name="Varun Vishwakarma" userId="43a870515f1c98d9" providerId="LiveId" clId="{A8999AB4-6F6D-4645-AC54-8DF64ABD915F}" dt="2025-06-13T05:31:58.994" v="22" actId="20577"/>
+          <ac:chgData name="Varun Vishwakarma" userId="43a870515f1c98d9" providerId="LiveId" clId="{A7D36B03-1DFB-4151-B8C5-31FE6C8D71E0}" dt="2025-06-13T11:25:21.538" v="116" actId="20577"/>
           <ac:spMkLst>
             <pc:docMk/>
-            <pc:sldMk cId="0" sldId="260"/>
-            <ac:spMk id="2" creationId="{00000000-0000-0000-0000-000000000000}"/>
+            <pc:sldMk cId="0" sldId="4443"/>
+            <ac:spMk id="5" creationId="{00000000-0000-0000-0000-000000000000}"/>
           </ac:spMkLst>
         </pc:spChg>
+      </pc:sldChg>
+      <pc:sldChg chg="modSp mod">
+        <pc:chgData name="Varun Vishwakarma" userId="43a870515f1c98d9" providerId="LiveId" clId="{A7D36B03-1DFB-4151-B8C5-31FE6C8D71E0}" dt="2025-06-13T11:31:32.653" v="138" actId="20577"/>
+        <pc:sldMkLst>
+          <pc:docMk/>
+          <pc:sldMk cId="0" sldId="4444"/>
+        </pc:sldMkLst>
+        <pc:spChg chg="mod">
+          <ac:chgData name="Varun Vishwakarma" userId="43a870515f1c98d9" providerId="LiveId" clId="{A7D36B03-1DFB-4151-B8C5-31FE6C8D71E0}" dt="2025-06-13T11:31:32.653" v="138" actId="20577"/>
+          <ac:spMkLst>
+            <pc:docMk/>
+            <pc:sldMk cId="0" sldId="4444"/>
+            <ac:spMk id="5" creationId="{00000000-0000-0000-0000-000000000000}"/>
+          </ac:spMkLst>
+        </pc:spChg>
+      </pc:sldChg>
+      <pc:sldChg chg="addSp delSp modSp mod">
+        <pc:chgData name="Varun Vishwakarma" userId="43a870515f1c98d9" providerId="LiveId" clId="{A7D36B03-1DFB-4151-B8C5-31FE6C8D71E0}" dt="2025-06-13T11:22:02.844" v="86" actId="1076"/>
+        <pc:sldMkLst>
+          <pc:docMk/>
+          <pc:sldMk cId="0" sldId="4467"/>
+        </pc:sldMkLst>
+        <pc:spChg chg="add del mod">
+          <ac:chgData name="Varun Vishwakarma" userId="43a870515f1c98d9" providerId="LiveId" clId="{A7D36B03-1DFB-4151-B8C5-31FE6C8D71E0}" dt="2025-06-13T11:21:57.053" v="84" actId="21"/>
+          <ac:spMkLst>
+            <pc:docMk/>
+            <pc:sldMk cId="0" sldId="4467"/>
+            <ac:spMk id="2" creationId="{69B0F565-D773-7AAD-7FC5-7ABB97AA8F2F}"/>
+          </ac:spMkLst>
+        </pc:spChg>
+        <pc:spChg chg="del">
+          <ac:chgData name="Varun Vishwakarma" userId="43a870515f1c98d9" providerId="LiveId" clId="{A7D36B03-1DFB-4151-B8C5-31FE6C8D71E0}" dt="2025-06-13T11:21:52.769" v="82" actId="21"/>
+          <ac:spMkLst>
+            <pc:docMk/>
+            <pc:sldMk cId="0" sldId="4467"/>
+            <ac:spMk id="3" creationId="{69B0F565-D773-7AAD-7FC5-7ABB97AA8F2F}"/>
+          </ac:spMkLst>
+        </pc:spChg>
+        <pc:picChg chg="add mod">
+          <ac:chgData name="Varun Vishwakarma" userId="43a870515f1c98d9" providerId="LiveId" clId="{A7D36B03-1DFB-4151-B8C5-31FE6C8D71E0}" dt="2025-06-13T11:22:02.844" v="86" actId="1076"/>
+          <ac:picMkLst>
+            <pc:docMk/>
+            <pc:sldMk cId="0" sldId="4467"/>
+            <ac:picMk id="7" creationId="{60C2053E-3747-FAE4-8731-33236006C78F}"/>
+          </ac:picMkLst>
+        </pc:picChg>
+      </pc:sldChg>
+      <pc:sldChg chg="addSp delSp modSp mod">
+        <pc:chgData name="Varun Vishwakarma" userId="43a870515f1c98d9" providerId="LiveId" clId="{A7D36B03-1DFB-4151-B8C5-31FE6C8D71E0}" dt="2025-06-13T11:22:56.141" v="91" actId="1076"/>
+        <pc:sldMkLst>
+          <pc:docMk/>
+          <pc:sldMk cId="0" sldId="4468"/>
+        </pc:sldMkLst>
+        <pc:picChg chg="add del mod">
+          <ac:chgData name="Varun Vishwakarma" userId="43a870515f1c98d9" providerId="LiveId" clId="{A7D36B03-1DFB-4151-B8C5-31FE6C8D71E0}" dt="2025-06-13T11:21:43.529" v="81" actId="21"/>
+          <ac:picMkLst>
+            <pc:docMk/>
+            <pc:sldMk cId="0" sldId="4468"/>
+            <ac:picMk id="3" creationId="{0B576CD6-AE4C-C427-1634-FAE889756B2F}"/>
+          </ac:picMkLst>
+        </pc:picChg>
+        <pc:picChg chg="add mod">
+          <ac:chgData name="Varun Vishwakarma" userId="43a870515f1c98d9" providerId="LiveId" clId="{A7D36B03-1DFB-4151-B8C5-31FE6C8D71E0}" dt="2025-06-13T11:22:56.141" v="91" actId="1076"/>
+          <ac:picMkLst>
+            <pc:docMk/>
+            <pc:sldMk cId="0" sldId="4468"/>
+            <ac:picMk id="7" creationId="{516FF5D4-5C33-D39C-8F42-2BBF87215F9F}"/>
+          </ac:picMkLst>
+        </pc:picChg>
+      </pc:sldChg>
+      <pc:sldChg chg="addSp delSp modSp mod">
+        <pc:chgData name="Varun Vishwakarma" userId="43a870515f1c98d9" providerId="LiveId" clId="{A7D36B03-1DFB-4151-B8C5-31FE6C8D71E0}" dt="2025-06-13T11:13:24.380" v="24" actId="14100"/>
+        <pc:sldMkLst>
+          <pc:docMk/>
+          <pc:sldMk cId="984124137" sldId="4473"/>
+        </pc:sldMkLst>
+        <pc:picChg chg="add del mod">
+          <ac:chgData name="Varun Vishwakarma" userId="43a870515f1c98d9" providerId="LiveId" clId="{A7D36B03-1DFB-4151-B8C5-31FE6C8D71E0}" dt="2025-06-13T11:12:44.989" v="11" actId="478"/>
+          <ac:picMkLst>
+            <pc:docMk/>
+            <pc:sldMk cId="984124137" sldId="4473"/>
+            <ac:picMk id="3" creationId="{C1DD4632-064E-B7A8-3A2F-6CF644AC18FA}"/>
+          </ac:picMkLst>
+        </pc:picChg>
+        <pc:picChg chg="add mod">
+          <ac:chgData name="Varun Vishwakarma" userId="43a870515f1c98d9" providerId="LiveId" clId="{A7D36B03-1DFB-4151-B8C5-31FE6C8D71E0}" dt="2025-06-13T11:13:24.380" v="24" actId="14100"/>
+          <ac:picMkLst>
+            <pc:docMk/>
+            <pc:sldMk cId="984124137" sldId="4473"/>
+            <ac:picMk id="7" creationId="{2CA12BD0-E586-42A3-B86E-2469FFA05452}"/>
+          </ac:picMkLst>
+        </pc:picChg>
+      </pc:sldChg>
+      <pc:sldChg chg="addSp delSp modSp mod">
+        <pc:chgData name="Varun Vishwakarma" userId="43a870515f1c98d9" providerId="LiveId" clId="{A7D36B03-1DFB-4151-B8C5-31FE6C8D71E0}" dt="2025-06-13T11:15:10.427" v="46" actId="22"/>
+        <pc:sldMkLst>
+          <pc:docMk/>
+          <pc:sldMk cId="993498634" sldId="4476"/>
+        </pc:sldMkLst>
+        <pc:picChg chg="del">
+          <ac:chgData name="Varun Vishwakarma" userId="43a870515f1c98d9" providerId="LiveId" clId="{A7D36B03-1DFB-4151-B8C5-31FE6C8D71E0}" dt="2025-06-13T11:13:40.173" v="25" actId="478"/>
+          <ac:picMkLst>
+            <pc:docMk/>
+            <pc:sldMk cId="993498634" sldId="4476"/>
+            <ac:picMk id="3" creationId="{C1086500-E693-FEE4-4529-59BD58946951}"/>
+          </ac:picMkLst>
+        </pc:picChg>
+        <pc:picChg chg="add mod">
+          <ac:chgData name="Varun Vishwakarma" userId="43a870515f1c98d9" providerId="LiveId" clId="{A7D36B03-1DFB-4151-B8C5-31FE6C8D71E0}" dt="2025-06-13T11:13:56.207" v="32" actId="962"/>
+          <ac:picMkLst>
+            <pc:docMk/>
+            <pc:sldMk cId="993498634" sldId="4476"/>
+            <ac:picMk id="5" creationId="{6E6AE477-A3FD-7FAE-7128-0F28BA60FA13}"/>
+          </ac:picMkLst>
+        </pc:picChg>
+        <pc:picChg chg="add del">
+          <ac:chgData name="Varun Vishwakarma" userId="43a870515f1c98d9" providerId="LiveId" clId="{A7D36B03-1DFB-4151-B8C5-31FE6C8D71E0}" dt="2025-06-13T11:15:10.427" v="46" actId="22"/>
+          <ac:picMkLst>
+            <pc:docMk/>
+            <pc:sldMk cId="993498634" sldId="4476"/>
+            <ac:picMk id="10" creationId="{A853A23C-D783-CF3E-E730-517503F14B14}"/>
+          </ac:picMkLst>
+        </pc:picChg>
+      </pc:sldChg>
+      <pc:sldChg chg="addSp modSp mod">
+        <pc:chgData name="Varun Vishwakarma" userId="43a870515f1c98d9" providerId="LiveId" clId="{A7D36B03-1DFB-4151-B8C5-31FE6C8D71E0}" dt="2025-06-13T11:17:52.961" v="72" actId="962"/>
+        <pc:sldMkLst>
+          <pc:docMk/>
+          <pc:sldMk cId="477143044" sldId="4478"/>
+        </pc:sldMkLst>
+        <pc:picChg chg="add mod">
+          <ac:chgData name="Varun Vishwakarma" userId="43a870515f1c98d9" providerId="LiveId" clId="{A7D36B03-1DFB-4151-B8C5-31FE6C8D71E0}" dt="2025-06-13T11:17:52.961" v="72" actId="962"/>
+          <ac:picMkLst>
+            <pc:docMk/>
+            <pc:sldMk cId="477143044" sldId="4478"/>
+            <ac:picMk id="4" creationId="{8E5DE356-A1FC-3141-D26A-0764BE8D337D}"/>
+          </ac:picMkLst>
+        </pc:picChg>
+      </pc:sldChg>
+      <pc:sldChg chg="addSp delSp modSp mod">
+        <pc:chgData name="Varun Vishwakarma" userId="43a870515f1c98d9" providerId="LiveId" clId="{A7D36B03-1DFB-4151-B8C5-31FE6C8D71E0}" dt="2025-06-13T11:14:46.516" v="44" actId="1076"/>
+        <pc:sldMkLst>
+          <pc:docMk/>
+          <pc:sldMk cId="3834785251" sldId="4479"/>
+        </pc:sldMkLst>
+        <pc:picChg chg="add del mod">
+          <ac:chgData name="Varun Vishwakarma" userId="43a870515f1c98d9" providerId="LiveId" clId="{A7D36B03-1DFB-4151-B8C5-31FE6C8D71E0}" dt="2025-06-13T11:14:26.061" v="37" actId="478"/>
+          <ac:picMkLst>
+            <pc:docMk/>
+            <pc:sldMk cId="3834785251" sldId="4479"/>
+            <ac:picMk id="3" creationId="{98CC804D-FA97-9FAD-70A1-FF94A5840859}"/>
+          </ac:picMkLst>
+        </pc:picChg>
+        <pc:picChg chg="del">
+          <ac:chgData name="Varun Vishwakarma" userId="43a870515f1c98d9" providerId="LiveId" clId="{A7D36B03-1DFB-4151-B8C5-31FE6C8D71E0}" dt="2025-06-13T11:14:01.805" v="33" actId="478"/>
+          <ac:picMkLst>
+            <pc:docMk/>
+            <pc:sldMk cId="3834785251" sldId="4479"/>
+            <ac:picMk id="5" creationId="{B84A8B90-D6B0-7493-E9DB-6655D2EC7BB0}"/>
+          </ac:picMkLst>
+        </pc:picChg>
+        <pc:picChg chg="add mod">
+          <ac:chgData name="Varun Vishwakarma" userId="43a870515f1c98d9" providerId="LiveId" clId="{A7D36B03-1DFB-4151-B8C5-31FE6C8D71E0}" dt="2025-06-13T11:14:46.516" v="44" actId="1076"/>
+          <ac:picMkLst>
+            <pc:docMk/>
+            <pc:sldMk cId="3834785251" sldId="4479"/>
+            <ac:picMk id="10" creationId="{B3F35536-1840-45E7-F82A-72021C50D995}"/>
+          </ac:picMkLst>
+        </pc:picChg>
+      </pc:sldChg>
+      <pc:sldChg chg="addSp delSp modSp mod">
+        <pc:chgData name="Varun Vishwakarma" userId="43a870515f1c98d9" providerId="LiveId" clId="{A7D36B03-1DFB-4151-B8C5-31FE6C8D71E0}" dt="2025-06-13T11:27:49.510" v="123" actId="1076"/>
+        <pc:sldMkLst>
+          <pc:docMk/>
+          <pc:sldMk cId="3108530136" sldId="4481"/>
+        </pc:sldMkLst>
+        <pc:picChg chg="add mod">
+          <ac:chgData name="Varun Vishwakarma" userId="43a870515f1c98d9" providerId="LiveId" clId="{A7D36B03-1DFB-4151-B8C5-31FE6C8D71E0}" dt="2025-06-13T11:27:49.510" v="123" actId="1076"/>
+          <ac:picMkLst>
+            <pc:docMk/>
+            <pc:sldMk cId="3108530136" sldId="4481"/>
+            <ac:picMk id="3" creationId="{3269324B-3BE6-4007-82E1-EB220F2507AD}"/>
+          </ac:picMkLst>
+        </pc:picChg>
+        <pc:picChg chg="del">
+          <ac:chgData name="Varun Vishwakarma" userId="43a870515f1c98d9" providerId="LiveId" clId="{A7D36B03-1DFB-4151-B8C5-31FE6C8D71E0}" dt="2025-06-13T11:27:29.842" v="118" actId="478"/>
+          <ac:picMkLst>
+            <pc:docMk/>
+            <pc:sldMk cId="3108530136" sldId="4481"/>
+            <ac:picMk id="5" creationId="{482809F7-3532-27E5-4B8A-8B36CAC8F2E5}"/>
+          </ac:picMkLst>
+        </pc:picChg>
+      </pc:sldChg>
+      <pc:sldChg chg="addSp delSp modSp mod">
+        <pc:chgData name="Varun Vishwakarma" userId="43a870515f1c98d9" providerId="LiveId" clId="{A7D36B03-1DFB-4151-B8C5-31FE6C8D71E0}" dt="2025-06-13T11:16:38.383" v="65" actId="1076"/>
+        <pc:sldMkLst>
+          <pc:docMk/>
+          <pc:sldMk cId="434439022" sldId="4484"/>
+        </pc:sldMkLst>
+        <pc:picChg chg="add mod">
+          <ac:chgData name="Varun Vishwakarma" userId="43a870515f1c98d9" providerId="LiveId" clId="{A7D36B03-1DFB-4151-B8C5-31FE6C8D71E0}" dt="2025-06-13T11:16:38.383" v="65" actId="1076"/>
+          <ac:picMkLst>
+            <pc:docMk/>
+            <pc:sldMk cId="434439022" sldId="4484"/>
+            <ac:picMk id="3" creationId="{B5C1B1FB-FBA4-DBEF-591E-7B5B0B5C80AD}"/>
+          </ac:picMkLst>
+        </pc:picChg>
+        <pc:picChg chg="del">
+          <ac:chgData name="Varun Vishwakarma" userId="43a870515f1c98d9" providerId="LiveId" clId="{A7D36B03-1DFB-4151-B8C5-31FE6C8D71E0}" dt="2025-06-13T11:16:25.088" v="60" actId="478"/>
+          <ac:picMkLst>
+            <pc:docMk/>
+            <pc:sldMk cId="434439022" sldId="4484"/>
+            <ac:picMk id="5" creationId="{57C7FA84-6368-FF7E-279F-0FECE1A3D338}"/>
+          </ac:picMkLst>
+        </pc:picChg>
+      </pc:sldChg>
+      <pc:sldChg chg="del">
+        <pc:chgData name="Varun Vishwakarma" userId="43a870515f1c98d9" providerId="LiveId" clId="{A7D36B03-1DFB-4151-B8C5-31FE6C8D71E0}" dt="2025-06-13T11:25:36.785" v="117" actId="2696"/>
+        <pc:sldMkLst>
+          <pc:docMk/>
+          <pc:sldMk cId="3014951218" sldId="4487"/>
+        </pc:sldMkLst>
+      </pc:sldChg>
+      <pc:sldChg chg="addSp delSp modSp add mod">
+        <pc:chgData name="Varun Vishwakarma" userId="43a870515f1c98d9" providerId="LiveId" clId="{A7D36B03-1DFB-4151-B8C5-31FE6C8D71E0}" dt="2025-06-13T11:16:01.134" v="59" actId="1076"/>
+        <pc:sldMkLst>
+          <pc:docMk/>
+          <pc:sldMk cId="3901020861" sldId="4490"/>
+        </pc:sldMkLst>
+        <pc:picChg chg="add del mod">
+          <ac:chgData name="Varun Vishwakarma" userId="43a870515f1c98d9" providerId="LiveId" clId="{A7D36B03-1DFB-4151-B8C5-31FE6C8D71E0}" dt="2025-06-13T11:15:37.448" v="52" actId="478"/>
+          <ac:picMkLst>
+            <pc:docMk/>
+            <pc:sldMk cId="3901020861" sldId="4490"/>
+            <ac:picMk id="3" creationId="{25B68E4A-196A-7E18-F392-D3B351AAB068}"/>
+          </ac:picMkLst>
+        </pc:picChg>
+        <pc:picChg chg="del">
+          <ac:chgData name="Varun Vishwakarma" userId="43a870515f1c98d9" providerId="LiveId" clId="{A7D36B03-1DFB-4151-B8C5-31FE6C8D71E0}" dt="2025-06-13T11:15:20.765" v="48" actId="478"/>
+          <ac:picMkLst>
+            <pc:docMk/>
+            <pc:sldMk cId="3901020861" sldId="4490"/>
+            <ac:picMk id="5" creationId="{E16BEE52-9238-00CE-C890-44AA116CB7BE}"/>
+          </ac:picMkLst>
+        </pc:picChg>
+        <pc:picChg chg="add mod">
+          <ac:chgData name="Varun Vishwakarma" userId="43a870515f1c98d9" providerId="LiveId" clId="{A7D36B03-1DFB-4151-B8C5-31FE6C8D71E0}" dt="2025-06-13T11:16:01.134" v="59" actId="1076"/>
+          <ac:picMkLst>
+            <pc:docMk/>
+            <pc:sldMk cId="3901020861" sldId="4490"/>
+            <ac:picMk id="10" creationId="{2B4C3751-2B9C-A4ED-591D-1085292547D4}"/>
+          </ac:picMkLst>
+        </pc:picChg>
       </pc:sldChg>
     </pc:docChg>
   </pc:docChgLst>
@@ -3688,25 +3949,8 @@
                 <a:latin typeface="Arial" panose="020B0604020202020204" pitchFamily="34" charset="0"/>
                 <a:cs typeface="Arial" panose="020B0604020202020204" pitchFamily="34" charset="0"/>
               </a:rPr>
-              <a:t>Presented by –</a:t>
-            </a:r>
-            <a:r>
-              <a:rPr lang="en-US" sz="2400">
-                <a:solidFill>
-                  <a:srgbClr val="FFFFFF"/>
-                </a:solidFill>
-                <a:latin typeface="Arial" panose="020B0604020202020204" pitchFamily="34" charset="0"/>
-                <a:cs typeface="Arial" panose="020B0604020202020204" pitchFamily="34" charset="0"/>
-              </a:rPr>
-              <a:t>Varun Vishwakarma</a:t>
-            </a:r>
-            <a:endParaRPr lang="en-US" sz="2400" dirty="0">
-              <a:solidFill>
-                <a:srgbClr val="FFFFFF"/>
-              </a:solidFill>
-              <a:latin typeface="Arial" panose="020B0604020202020204" pitchFamily="34" charset="0"/>
-              <a:cs typeface="Arial" panose="020B0604020202020204" pitchFamily="34" charset="0"/>
-            </a:endParaRPr>
+              <a:t>Presented by –Varun Vishwakarma	</a:t>
+            </a:r>
           </a:p>
         </p:txBody>
       </p:sp>
@@ -4319,6 +4563,267 @@
         <p:cNvPr id="1" name="">
           <a:extLst>
             <a:ext uri="{FF2B5EF4-FFF2-40B4-BE49-F238E27FC236}">
+              <a16:creationId xmlns:a16="http://schemas.microsoft.com/office/drawing/2014/main" id="{41A70A95-4872-9203-C48D-AAC63ABE7D9E}"/>
+            </a:ext>
+          </a:extLst>
+        </p:cNvPr>
+        <p:cNvGrpSpPr/>
+        <p:nvPr/>
+      </p:nvGrpSpPr>
+      <p:grpSpPr>
+        <a:xfrm>
+          <a:off x="0" y="0"/>
+          <a:ext cx="0" cy="0"/>
+          <a:chOff x="0" y="0"/>
+          <a:chExt cx="0" cy="0"/>
+        </a:xfrm>
+      </p:grpSpPr>
+      <p:sp>
+        <p:nvSpPr>
+          <p:cNvPr id="4" name="Title 3">
+            <a:extLst>
+              <a:ext uri="{FF2B5EF4-FFF2-40B4-BE49-F238E27FC236}">
+                <a16:creationId xmlns:a16="http://schemas.microsoft.com/office/drawing/2014/main" id="{28116104-AA63-EAA7-A4A4-F71CA01A856F}"/>
+              </a:ext>
+            </a:extLst>
+          </p:cNvPr>
+          <p:cNvSpPr>
+            <a:spLocks noGrp="1"/>
+          </p:cNvSpPr>
+          <p:nvPr>
+            <p:ph type="title"/>
+          </p:nvPr>
+        </p:nvSpPr>
+        <p:spPr/>
+        <p:txBody>
+          <a:bodyPr/>
+          <a:lstStyle/>
+          <a:p>
+            <a:pPr>
+              <a:lnSpc>
+                <a:spcPct val="100000"/>
+              </a:lnSpc>
+            </a:pPr>
+            <a:r>
+              <a:rPr lang="en-US" dirty="0">
+                <a:solidFill>
+                  <a:schemeClr val="tx1"/>
+                </a:solidFill>
+                <a:latin typeface="Arial" panose="020B0604020202020204" pitchFamily="34" charset="0"/>
+                <a:cs typeface="Arial" panose="020B0604020202020204" pitchFamily="34" charset="0"/>
+                <a:sym typeface="+mn-ea"/>
+              </a:rPr>
+              <a:t>Screenshot of </a:t>
+            </a:r>
+            <a:r>
+              <a:rPr lang="en-US" dirty="0">
+                <a:latin typeface="Arial" panose="020B0604020202020204" pitchFamily="34" charset="0"/>
+                <a:cs typeface="Arial" panose="020B0604020202020204" pitchFamily="34" charset="0"/>
+                <a:sym typeface="+mn-ea"/>
+              </a:rPr>
+              <a:t>Extent</a:t>
+            </a:r>
+            <a:r>
+              <a:rPr lang="en-US" dirty="0">
+                <a:solidFill>
+                  <a:schemeClr val="tx1"/>
+                </a:solidFill>
+                <a:latin typeface="Arial" panose="020B0604020202020204" pitchFamily="34" charset="0"/>
+                <a:cs typeface="Arial" panose="020B0604020202020204" pitchFamily="34" charset="0"/>
+                <a:sym typeface="+mn-ea"/>
+              </a:rPr>
+              <a:t> Report</a:t>
+            </a:r>
+            <a:endParaRPr lang="en-US" dirty="0">
+              <a:solidFill>
+                <a:schemeClr val="tx1"/>
+              </a:solidFill>
+              <a:latin typeface="Arial" panose="020B0604020202020204" pitchFamily="34" charset="0"/>
+              <a:cs typeface="Arial" panose="020B0604020202020204" pitchFamily="34" charset="0"/>
+            </a:endParaRPr>
+          </a:p>
+        </p:txBody>
+      </p:sp>
+      <p:pic>
+        <p:nvPicPr>
+          <p:cNvPr id="6" name="Content Placeholder 5" descr="Logo&#10;&#10;Description automatically generated">
+            <a:extLst>
+              <a:ext uri="{FF2B5EF4-FFF2-40B4-BE49-F238E27FC236}">
+                <a16:creationId xmlns:a16="http://schemas.microsoft.com/office/drawing/2014/main" id="{204F30C8-2A24-1109-305E-A8DBDA0F61A9}"/>
+              </a:ext>
+            </a:extLst>
+          </p:cNvPr>
+          <p:cNvPicPr>
+            <a:picLocks noGrp="1" noChangeAspect="1"/>
+          </p:cNvPicPr>
+          <p:nvPr>
+            <p:ph sz="half" idx="2"/>
+          </p:nvPr>
+        </p:nvPicPr>
+        <p:blipFill>
+          <a:blip r:embed="rId2" cstate="print">
+            <a:extLst>
+              <a:ext uri="{28A0092B-C50C-407E-A947-70E740481C1C}">
+                <a14:useLocalDpi xmlns:a14="http://schemas.microsoft.com/office/drawing/2010/main" val="0"/>
+              </a:ext>
+            </a:extLst>
+          </a:blip>
+          <a:stretch>
+            <a:fillRect/>
+          </a:stretch>
+        </p:blipFill>
+        <p:spPr>
+          <a:xfrm>
+            <a:off x="93345" y="6311900"/>
+            <a:ext cx="633095" cy="414655"/>
+          </a:xfrm>
+          <a:prstGeom prst="rect">
+            <a:avLst/>
+          </a:prstGeom>
+        </p:spPr>
+      </p:pic>
+      <p:sp>
+        <p:nvSpPr>
+          <p:cNvPr id="8" name="TextBox 5">
+            <a:extLst>
+              <a:ext uri="{FF2B5EF4-FFF2-40B4-BE49-F238E27FC236}">
+                <a16:creationId xmlns:a16="http://schemas.microsoft.com/office/drawing/2014/main" id="{F839F8E7-1D4D-454B-3BAD-ED24165C5299}"/>
+              </a:ext>
+            </a:extLst>
+          </p:cNvPr>
+          <p:cNvSpPr txBox="1"/>
+          <p:nvPr/>
+        </p:nvSpPr>
+        <p:spPr>
+          <a:xfrm>
+            <a:off x="4424757" y="6418579"/>
+            <a:ext cx="6259403" cy="250825"/>
+          </a:xfrm>
+          <a:prstGeom prst="rect">
+            <a:avLst/>
+          </a:prstGeom>
+        </p:spPr>
+        <p:txBody>
+          <a:bodyPr lIns="0" tIns="0" rIns="0" bIns="0" rtlCol="0" anchor="t">
+            <a:spAutoFit/>
+          </a:bodyPr>
+          <a:lstStyle/>
+          <a:p>
+            <a:pPr algn="r">
+              <a:lnSpc>
+                <a:spcPts val="1960"/>
+              </a:lnSpc>
+              <a:spcBef>
+                <a:spcPct val="0"/>
+              </a:spcBef>
+            </a:pPr>
+            <a:r>
+              <a:rPr lang="en-US" sz="1400" spc="140" dirty="0">
+                <a:solidFill>
+                  <a:srgbClr val="0187CC"/>
+                </a:solidFill>
+                <a:latin typeface="Arial" panose="020B0604020202020204" pitchFamily="34" charset="0"/>
+                <a:cs typeface="Arial" panose="020B0604020202020204" pitchFamily="34" charset="0"/>
+              </a:rPr>
+              <a:t>2025 - RPS Consulting all rights reserved</a:t>
+            </a:r>
+          </a:p>
+        </p:txBody>
+      </p:sp>
+      <p:sp>
+        <p:nvSpPr>
+          <p:cNvPr id="9" name="Slide Number Placeholder 8">
+            <a:extLst>
+              <a:ext uri="{FF2B5EF4-FFF2-40B4-BE49-F238E27FC236}">
+                <a16:creationId xmlns:a16="http://schemas.microsoft.com/office/drawing/2014/main" id="{9263B301-4BA5-4DBC-40B1-B5F864DF55A8}"/>
+              </a:ext>
+            </a:extLst>
+          </p:cNvPr>
+          <p:cNvSpPr>
+            <a:spLocks noGrp="1"/>
+          </p:cNvSpPr>
+          <p:nvPr>
+            <p:ph type="sldNum" sz="quarter" idx="12"/>
+          </p:nvPr>
+        </p:nvSpPr>
+        <p:spPr/>
+        <p:txBody>
+          <a:bodyPr/>
+          <a:lstStyle/>
+          <a:p>
+            <a:fld id="{C8F35010-364B-470B-BB6C-DCBBE63D2E54}" type="slidenum">
+              <a:rPr lang="en-US" smtClean="0">
+                <a:solidFill>
+                  <a:schemeClr val="tx1"/>
+                </a:solidFill>
+              </a:rPr>
+              <a:t>12</a:t>
+            </a:fld>
+            <a:endParaRPr lang="en-US" dirty="0">
+              <a:solidFill>
+                <a:schemeClr val="tx1"/>
+              </a:solidFill>
+            </a:endParaRPr>
+          </a:p>
+        </p:txBody>
+      </p:sp>
+      <p:pic>
+        <p:nvPicPr>
+          <p:cNvPr id="10" name="Picture 9" descr="A screenshot of a computer&#10;&#10;AI-generated content may be incorrect.">
+            <a:extLst>
+              <a:ext uri="{FF2B5EF4-FFF2-40B4-BE49-F238E27FC236}">
+                <a16:creationId xmlns:a16="http://schemas.microsoft.com/office/drawing/2014/main" id="{2B4C3751-2B9C-A4ED-591D-1085292547D4}"/>
+              </a:ext>
+            </a:extLst>
+          </p:cNvPr>
+          <p:cNvPicPr>
+            <a:picLocks noChangeAspect="1"/>
+          </p:cNvPicPr>
+          <p:nvPr/>
+        </p:nvPicPr>
+        <p:blipFill>
+          <a:blip r:embed="rId3">
+            <a:extLst>
+              <a:ext uri="{28A0092B-C50C-407E-A947-70E740481C1C}">
+                <a14:useLocalDpi xmlns:a14="http://schemas.microsoft.com/office/drawing/2010/main" val="0"/>
+              </a:ext>
+            </a:extLst>
+          </a:blip>
+          <a:stretch>
+            <a:fillRect/>
+          </a:stretch>
+        </p:blipFill>
+        <p:spPr>
+          <a:xfrm>
+            <a:off x="516835" y="1290956"/>
+            <a:ext cx="10515600" cy="4822162"/>
+          </a:xfrm>
+          <a:prstGeom prst="rect">
+            <a:avLst/>
+          </a:prstGeom>
+        </p:spPr>
+      </p:pic>
+    </p:spTree>
+    <p:extLst>
+      <p:ext uri="{BB962C8B-B14F-4D97-AF65-F5344CB8AC3E}">
+        <p14:creationId xmlns:p14="http://schemas.microsoft.com/office/powerpoint/2010/main" val="3901020861"/>
+      </p:ext>
+    </p:extLst>
+  </p:cSld>
+  <p:clrMapOvr>
+    <a:masterClrMapping/>
+  </p:clrMapOvr>
+</p:sld>
+</file>
+
+<file path=ppt/slides/slide13.xml><?xml version="1.0" encoding="utf-8"?>
+<p:sld xmlns:a="http://schemas.openxmlformats.org/drawingml/2006/main" xmlns:r="http://schemas.openxmlformats.org/officeDocument/2006/relationships" xmlns:p="http://schemas.openxmlformats.org/presentationml/2006/main">
+  <p:cSld>
+    <p:spTree>
+      <p:nvGrpSpPr>
+        <p:cNvPr id="1" name="">
+          <a:extLst>
+            <a:ext uri="{FF2B5EF4-FFF2-40B4-BE49-F238E27FC236}">
               <a16:creationId xmlns:a16="http://schemas.microsoft.com/office/drawing/2014/main" id="{0DF67697-2220-500C-33CE-A9CEA0152326}"/>
             </a:ext>
           </a:extLst>
@@ -4513,7 +5018,7 @@
                   <a:schemeClr val="tx1"/>
                 </a:solidFill>
               </a:rPr>
-              <a:t>12</a:t>
+              <a:t>13</a:t>
             </a:fld>
             <a:endParaRPr lang="en-US" dirty="0">
               <a:solidFill>
@@ -4525,10 +5030,10 @@
       </p:sp>
       <p:pic>
         <p:nvPicPr>
-          <p:cNvPr id="3" name="Picture 2">
+          <p:cNvPr id="5" name="Picture 4" descr="A screenshot of a computer">
             <a:extLst>
               <a:ext uri="{FF2B5EF4-FFF2-40B4-BE49-F238E27FC236}">
-                <a16:creationId xmlns:a16="http://schemas.microsoft.com/office/drawing/2014/main" id="{C1086500-E693-FEE4-4529-59BD58946951}"/>
+                <a16:creationId xmlns:a16="http://schemas.microsoft.com/office/drawing/2014/main" id="{6E6AE477-A3FD-7FAE-7128-0F28BA60FA13}"/>
               </a:ext>
             </a:extLst>
           </p:cNvPr>
@@ -4551,8 +5056,8 @@
         </p:blipFill>
         <p:spPr>
           <a:xfrm>
-            <a:off x="685800" y="1347550"/>
-            <a:ext cx="10668000" cy="4799250"/>
+            <a:off x="726440" y="1488113"/>
+            <a:ext cx="10316817" cy="4646875"/>
           </a:xfrm>
           <a:prstGeom prst="rect">
             <a:avLst/>
@@ -4572,7 +5077,7 @@
 </p:sld>
 </file>
 
-<file path=ppt/slides/slide13.xml><?xml version="1.0" encoding="utf-8"?>
+<file path=ppt/slides/slide14.xml><?xml version="1.0" encoding="utf-8"?>
 <p:sld xmlns:a="http://schemas.openxmlformats.org/drawingml/2006/main" xmlns:r="http://schemas.openxmlformats.org/officeDocument/2006/relationships" xmlns:p="http://schemas.openxmlformats.org/presentationml/2006/main">
   <p:cSld>
     <p:spTree>
@@ -4755,7 +5260,7 @@
                   <a:schemeClr val="tx1"/>
                 </a:solidFill>
               </a:rPr>
-              <a:t>13</a:t>
+              <a:t>14</a:t>
             </a:fld>
             <a:endParaRPr lang="en-US" dirty="0">
               <a:solidFill>
@@ -4767,10 +5272,10 @@
       </p:sp>
       <p:pic>
         <p:nvPicPr>
-          <p:cNvPr id="5" name="Picture 4">
+          <p:cNvPr id="10" name="Picture 9" descr="A screenshot of a computer&#10;&#10;AI-generated content may be incorrect.">
             <a:extLst>
               <a:ext uri="{FF2B5EF4-FFF2-40B4-BE49-F238E27FC236}">
-                <a16:creationId xmlns:a16="http://schemas.microsoft.com/office/drawing/2014/main" id="{B84A8B90-D6B0-7493-E9DB-6655D2EC7BB0}"/>
+                <a16:creationId xmlns:a16="http://schemas.microsoft.com/office/drawing/2014/main" id="{B3F35536-1840-45E7-F82A-72021C50D995}"/>
               </a:ext>
             </a:extLst>
           </p:cNvPr>
@@ -4793,8 +5298,8 @@
         </p:blipFill>
         <p:spPr>
           <a:xfrm>
-            <a:off x="914400" y="2033681"/>
-            <a:ext cx="10515600" cy="2790637"/>
+            <a:off x="609599" y="1480251"/>
+            <a:ext cx="10323443" cy="4432506"/>
           </a:xfrm>
           <a:prstGeom prst="rect">
             <a:avLst/>
@@ -4814,7 +5319,7 @@
 </p:sld>
 </file>
 
-<file path=ppt/slides/slide14.xml><?xml version="1.0" encoding="utf-8"?>
+<file path=ppt/slides/slide15.xml><?xml version="1.0" encoding="utf-8"?>
 <p:sld xmlns:a="http://schemas.openxmlformats.org/drawingml/2006/main" xmlns:r="http://schemas.openxmlformats.org/officeDocument/2006/relationships" xmlns:p="http://schemas.openxmlformats.org/presentationml/2006/main">
   <p:cSld>
     <p:spTree>
@@ -4996,7 +5501,7 @@
                   <a:schemeClr val="tx1"/>
                 </a:solidFill>
               </a:rPr>
-              <a:t>14</a:t>
+              <a:t>15</a:t>
             </a:fld>
             <a:endParaRPr lang="en-US" dirty="0">
               <a:solidFill>
@@ -5069,392 +5574,6 @@
     <p:extLst>
       <p:ext uri="{BB962C8B-B14F-4D97-AF65-F5344CB8AC3E}">
         <p14:creationId xmlns:p14="http://schemas.microsoft.com/office/powerpoint/2010/main" val="3343226030"/>
-      </p:ext>
-    </p:extLst>
-  </p:cSld>
-  <p:clrMapOvr>
-    <a:masterClrMapping/>
-  </p:clrMapOvr>
-</p:sld>
-</file>
-
-<file path=ppt/slides/slide15.xml><?xml version="1.0" encoding="utf-8"?>
-<p:sld xmlns:a="http://schemas.openxmlformats.org/drawingml/2006/main" xmlns:r="http://schemas.openxmlformats.org/officeDocument/2006/relationships" xmlns:p="http://schemas.openxmlformats.org/presentationml/2006/main">
-  <p:cSld>
-    <p:spTree>
-      <p:nvGrpSpPr>
-        <p:cNvPr id="1" name="">
-          <a:extLst>
-            <a:ext uri="{FF2B5EF4-FFF2-40B4-BE49-F238E27FC236}">
-              <a16:creationId xmlns:a16="http://schemas.microsoft.com/office/drawing/2014/main" id="{0EF8AA7C-2BCD-A5B7-5D3D-74D4E63F779F}"/>
-            </a:ext>
-          </a:extLst>
-        </p:cNvPr>
-        <p:cNvGrpSpPr/>
-        <p:nvPr/>
-      </p:nvGrpSpPr>
-      <p:grpSpPr>
-        <a:xfrm>
-          <a:off x="0" y="0"/>
-          <a:ext cx="0" cy="0"/>
-          <a:chOff x="0" y="0"/>
-          <a:chExt cx="0" cy="0"/>
-        </a:xfrm>
-      </p:grpSpPr>
-      <p:sp>
-        <p:nvSpPr>
-          <p:cNvPr id="4" name="Title 3">
-            <a:extLst>
-              <a:ext uri="{FF2B5EF4-FFF2-40B4-BE49-F238E27FC236}">
-                <a16:creationId xmlns:a16="http://schemas.microsoft.com/office/drawing/2014/main" id="{5D913D68-DA39-E3E5-FF83-94E29ACEC914}"/>
-              </a:ext>
-            </a:extLst>
-          </p:cNvPr>
-          <p:cNvSpPr>
-            <a:spLocks noGrp="1"/>
-          </p:cNvSpPr>
-          <p:nvPr>
-            <p:ph type="title"/>
-          </p:nvPr>
-        </p:nvSpPr>
-        <p:spPr/>
-        <p:txBody>
-          <a:bodyPr/>
-          <a:lstStyle/>
-          <a:p>
-            <a:pPr algn="l">
-              <a:buClrTx/>
-              <a:buSzTx/>
-              <a:buFontTx/>
-            </a:pPr>
-            <a:r>
-              <a:rPr lang="en-US" b="1" dirty="0">
-                <a:solidFill>
-                  <a:srgbClr val="0187CC"/>
-                </a:solidFill>
-                <a:latin typeface="Arial" panose="020B0604020202020204" pitchFamily="34" charset="0"/>
-                <a:cs typeface="Arial" panose="020B0604020202020204" pitchFamily="34" charset="0"/>
-              </a:rPr>
-              <a:t>Tools and Technologies</a:t>
-            </a:r>
-          </a:p>
-        </p:txBody>
-      </p:sp>
-      <p:sp>
-        <p:nvSpPr>
-          <p:cNvPr id="5" name="Content Placeholder 4">
-            <a:extLst>
-              <a:ext uri="{FF2B5EF4-FFF2-40B4-BE49-F238E27FC236}">
-                <a16:creationId xmlns:a16="http://schemas.microsoft.com/office/drawing/2014/main" id="{38CBB66E-F4FD-F992-79B9-4B21ED53C221}"/>
-              </a:ext>
-            </a:extLst>
-          </p:cNvPr>
-          <p:cNvSpPr>
-            <a:spLocks noGrp="1"/>
-          </p:cNvSpPr>
-          <p:nvPr>
-            <p:ph sz="half" idx="1"/>
-          </p:nvPr>
-        </p:nvSpPr>
-        <p:spPr>
-          <a:xfrm>
-            <a:off x="838200" y="1825625"/>
-            <a:ext cx="10515600" cy="4351655"/>
-          </a:xfrm>
-        </p:spPr>
-        <p:txBody>
-          <a:bodyPr>
-            <a:normAutofit/>
-          </a:bodyPr>
-          <a:lstStyle/>
-          <a:p>
-            <a:pPr algn="just">
-              <a:lnSpc>
-                <a:spcPct val="100000"/>
-              </a:lnSpc>
-              <a:buClrTx/>
-              <a:buSzTx/>
-            </a:pPr>
-            <a:r>
-              <a:rPr lang="en-US" sz="2000" dirty="0">
-                <a:solidFill>
-                  <a:schemeClr val="tx1"/>
-                </a:solidFill>
-                <a:latin typeface="Arial" panose="020B0604020202020204" pitchFamily="34" charset="0"/>
-                <a:cs typeface="Arial" panose="020B0604020202020204" pitchFamily="34" charset="0"/>
-              </a:rPr>
-              <a:t>Eclipse IDE</a:t>
-            </a:r>
-          </a:p>
-          <a:p>
-            <a:pPr algn="just">
-              <a:lnSpc>
-                <a:spcPct val="100000"/>
-              </a:lnSpc>
-              <a:buClrTx/>
-              <a:buSzTx/>
-            </a:pPr>
-            <a:r>
-              <a:rPr lang="en-US" sz="2000" dirty="0">
-                <a:solidFill>
-                  <a:schemeClr val="tx1"/>
-                </a:solidFill>
-                <a:latin typeface="Arial" panose="020B0604020202020204" pitchFamily="34" charset="0"/>
-                <a:cs typeface="Arial" panose="020B0604020202020204" pitchFamily="34" charset="0"/>
-              </a:rPr>
-              <a:t>Maven</a:t>
-            </a:r>
-          </a:p>
-          <a:p>
-            <a:pPr algn="just">
-              <a:lnSpc>
-                <a:spcPct val="100000"/>
-              </a:lnSpc>
-              <a:buClrTx/>
-              <a:buSzTx/>
-            </a:pPr>
-            <a:r>
-              <a:rPr lang="en-US" sz="2000" dirty="0">
-                <a:latin typeface="Arial" panose="020B0604020202020204" pitchFamily="34" charset="0"/>
-                <a:cs typeface="Arial" panose="020B0604020202020204" pitchFamily="34" charset="0"/>
-              </a:rPr>
-              <a:t>JAVA</a:t>
-            </a:r>
-            <a:endParaRPr lang="en-US" sz="2000" dirty="0">
-              <a:solidFill>
-                <a:schemeClr val="tx1"/>
-              </a:solidFill>
-              <a:latin typeface="Arial" panose="020B0604020202020204" pitchFamily="34" charset="0"/>
-              <a:cs typeface="Arial" panose="020B0604020202020204" pitchFamily="34" charset="0"/>
-            </a:endParaRPr>
-          </a:p>
-          <a:p>
-            <a:pPr algn="just">
-              <a:lnSpc>
-                <a:spcPct val="100000"/>
-              </a:lnSpc>
-              <a:buClrTx/>
-              <a:buSzTx/>
-            </a:pPr>
-            <a:r>
-              <a:rPr lang="en-US" sz="2000" dirty="0"/>
-              <a:t>REST Assured</a:t>
-            </a:r>
-          </a:p>
-          <a:p>
-            <a:pPr algn="just">
-              <a:lnSpc>
-                <a:spcPct val="100000"/>
-              </a:lnSpc>
-              <a:buClrTx/>
-              <a:buSzTx/>
-            </a:pPr>
-            <a:r>
-              <a:rPr lang="en-IN" sz="2000"/>
-              <a:t>Postman</a:t>
-            </a:r>
-            <a:endParaRPr lang="en-US" sz="2000" dirty="0">
-              <a:solidFill>
-                <a:schemeClr val="tx1"/>
-              </a:solidFill>
-              <a:latin typeface="Arial" panose="020B0604020202020204" pitchFamily="34" charset="0"/>
-              <a:cs typeface="Arial" panose="020B0604020202020204" pitchFamily="34" charset="0"/>
-            </a:endParaRPr>
-          </a:p>
-          <a:p>
-            <a:pPr algn="just">
-              <a:lnSpc>
-                <a:spcPct val="100000"/>
-              </a:lnSpc>
-              <a:buClrTx/>
-              <a:buSzTx/>
-            </a:pPr>
-            <a:r>
-              <a:rPr lang="en-US" sz="2000" dirty="0">
-                <a:latin typeface="Arial" panose="020B0604020202020204" pitchFamily="34" charset="0"/>
-                <a:cs typeface="Arial" panose="020B0604020202020204" pitchFamily="34" charset="0"/>
-              </a:rPr>
-              <a:t>Html Cucumber Report</a:t>
-            </a:r>
-            <a:endParaRPr lang="en-US" sz="2000" dirty="0">
-              <a:solidFill>
-                <a:schemeClr val="tx1"/>
-              </a:solidFill>
-              <a:latin typeface="Arial" panose="020B0604020202020204" pitchFamily="34" charset="0"/>
-              <a:cs typeface="Arial" panose="020B0604020202020204" pitchFamily="34" charset="0"/>
-            </a:endParaRPr>
-          </a:p>
-          <a:p>
-            <a:pPr algn="just">
-              <a:lnSpc>
-                <a:spcPct val="100000"/>
-              </a:lnSpc>
-              <a:buClrTx/>
-              <a:buSzTx/>
-            </a:pPr>
-            <a:r>
-              <a:rPr lang="en-US" sz="2000" dirty="0">
-                <a:latin typeface="Arial" panose="020B0604020202020204" pitchFamily="34" charset="0"/>
-                <a:cs typeface="Arial" panose="020B0604020202020204" pitchFamily="34" charset="0"/>
-              </a:rPr>
-              <a:t>GitHub</a:t>
-            </a:r>
-            <a:endParaRPr lang="en-US" sz="2000" dirty="0">
-              <a:solidFill>
-                <a:schemeClr val="tx1"/>
-              </a:solidFill>
-              <a:latin typeface="Arial" panose="020B0604020202020204" pitchFamily="34" charset="0"/>
-              <a:cs typeface="Arial" panose="020B0604020202020204" pitchFamily="34" charset="0"/>
-            </a:endParaRPr>
-          </a:p>
-          <a:p>
-            <a:pPr algn="just">
-              <a:lnSpc>
-                <a:spcPct val="100000"/>
-              </a:lnSpc>
-              <a:buClrTx/>
-              <a:buSzTx/>
-            </a:pPr>
-            <a:r>
-              <a:rPr lang="en-US" sz="2000" dirty="0">
-                <a:solidFill>
-                  <a:schemeClr val="tx1"/>
-                </a:solidFill>
-                <a:latin typeface="Arial" panose="020B0604020202020204" pitchFamily="34" charset="0"/>
-                <a:cs typeface="Arial" panose="020B0604020202020204" pitchFamily="34" charset="0"/>
-              </a:rPr>
-              <a:t>Jenkins</a:t>
-            </a:r>
-          </a:p>
-        </p:txBody>
-      </p:sp>
-      <p:pic>
-        <p:nvPicPr>
-          <p:cNvPr id="6" name="Content Placeholder 5" descr="Logo&#10;&#10;Description automatically generated">
-            <a:extLst>
-              <a:ext uri="{FF2B5EF4-FFF2-40B4-BE49-F238E27FC236}">
-                <a16:creationId xmlns:a16="http://schemas.microsoft.com/office/drawing/2014/main" id="{48139BFC-B067-C68A-7C1C-7DE052668A3C}"/>
-              </a:ext>
-            </a:extLst>
-          </p:cNvPr>
-          <p:cNvPicPr>
-            <a:picLocks noGrp="1" noChangeAspect="1"/>
-          </p:cNvPicPr>
-          <p:nvPr>
-            <p:ph sz="half" idx="2"/>
-          </p:nvPr>
-        </p:nvPicPr>
-        <p:blipFill>
-          <a:blip r:embed="rId2" cstate="print">
-            <a:extLst>
-              <a:ext uri="{28A0092B-C50C-407E-A947-70E740481C1C}">
-                <a14:useLocalDpi xmlns:a14="http://schemas.microsoft.com/office/drawing/2010/main" val="0"/>
-              </a:ext>
-            </a:extLst>
-          </a:blip>
-          <a:stretch>
-            <a:fillRect/>
-          </a:stretch>
-        </p:blipFill>
-        <p:spPr>
-          <a:xfrm>
-            <a:off x="93345" y="6311900"/>
-            <a:ext cx="633095" cy="414655"/>
-          </a:xfrm>
-          <a:prstGeom prst="rect">
-            <a:avLst/>
-          </a:prstGeom>
-        </p:spPr>
-      </p:pic>
-      <p:sp>
-        <p:nvSpPr>
-          <p:cNvPr id="8" name="TextBox 5">
-            <a:extLst>
-              <a:ext uri="{FF2B5EF4-FFF2-40B4-BE49-F238E27FC236}">
-                <a16:creationId xmlns:a16="http://schemas.microsoft.com/office/drawing/2014/main" id="{AF538C2A-641C-BD6C-2002-5D74C95D84BD}"/>
-              </a:ext>
-            </a:extLst>
-          </p:cNvPr>
-          <p:cNvSpPr txBox="1"/>
-          <p:nvPr/>
-        </p:nvSpPr>
-        <p:spPr>
-          <a:xfrm>
-            <a:off x="4424757" y="6418579"/>
-            <a:ext cx="6259403" cy="250825"/>
-          </a:xfrm>
-          <a:prstGeom prst="rect">
-            <a:avLst/>
-          </a:prstGeom>
-        </p:spPr>
-        <p:txBody>
-          <a:bodyPr lIns="0" tIns="0" rIns="0" bIns="0" rtlCol="0" anchor="t">
-            <a:spAutoFit/>
-          </a:bodyPr>
-          <a:lstStyle/>
-          <a:p>
-            <a:pPr algn="r">
-              <a:lnSpc>
-                <a:spcPts val="1960"/>
-              </a:lnSpc>
-              <a:spcBef>
-                <a:spcPct val="0"/>
-              </a:spcBef>
-            </a:pPr>
-            <a:r>
-              <a:rPr lang="en-US" sz="1400" spc="140" dirty="0">
-                <a:solidFill>
-                  <a:srgbClr val="0187CC"/>
-                </a:solidFill>
-                <a:latin typeface="Arial" panose="020B0604020202020204" pitchFamily="34" charset="0"/>
-                <a:cs typeface="Arial" panose="020B0604020202020204" pitchFamily="34" charset="0"/>
-              </a:rPr>
-              <a:t>2025 - RPS Consulting all rights reserved</a:t>
-            </a:r>
-          </a:p>
-        </p:txBody>
-      </p:sp>
-      <p:sp>
-        <p:nvSpPr>
-          <p:cNvPr id="9" name="Slide Number Placeholder 8">
-            <a:extLst>
-              <a:ext uri="{FF2B5EF4-FFF2-40B4-BE49-F238E27FC236}">
-                <a16:creationId xmlns:a16="http://schemas.microsoft.com/office/drawing/2014/main" id="{1BE1913B-05A7-927E-FF99-397E43304639}"/>
-              </a:ext>
-            </a:extLst>
-          </p:cNvPr>
-          <p:cNvSpPr>
-            <a:spLocks noGrp="1"/>
-          </p:cNvSpPr>
-          <p:nvPr>
-            <p:ph type="sldNum" sz="quarter" idx="12"/>
-          </p:nvPr>
-        </p:nvSpPr>
-        <p:spPr/>
-        <p:txBody>
-          <a:bodyPr/>
-          <a:lstStyle/>
-          <a:p>
-            <a:fld id="{C8F35010-364B-470B-BB6C-DCBBE63D2E54}" type="slidenum">
-              <a:rPr lang="en-US" smtClean="0">
-                <a:solidFill>
-                  <a:schemeClr val="tx1"/>
-                </a:solidFill>
-              </a:rPr>
-              <a:t>15</a:t>
-            </a:fld>
-            <a:endParaRPr lang="en-US" dirty="0">
-              <a:solidFill>
-                <a:schemeClr val="tx1"/>
-              </a:solidFill>
-            </a:endParaRPr>
-          </a:p>
-        </p:txBody>
-      </p:sp>
-    </p:spTree>
-    <p:extLst>
-      <p:ext uri="{BB962C8B-B14F-4D97-AF65-F5344CB8AC3E}">
-        <p14:creationId xmlns:p14="http://schemas.microsoft.com/office/powerpoint/2010/main" val="3014951218"/>
       </p:ext>
     </p:extLst>
   </p:cSld>
@@ -5794,10 +5913,10 @@
       </p:sp>
       <p:pic>
         <p:nvPicPr>
-          <p:cNvPr id="5" name="Picture 4">
+          <p:cNvPr id="3" name="Picture 2" descr="A screenshot of a computer&#10;&#10;AI-generated content may be incorrect.">
             <a:extLst>
               <a:ext uri="{FF2B5EF4-FFF2-40B4-BE49-F238E27FC236}">
-                <a16:creationId xmlns:a16="http://schemas.microsoft.com/office/drawing/2014/main" id="{482809F7-3532-27E5-4B8A-8B36CAC8F2E5}"/>
+                <a16:creationId xmlns:a16="http://schemas.microsoft.com/office/drawing/2014/main" id="{3269324B-3BE6-4007-82E1-EB220F2507AD}"/>
               </a:ext>
             </a:extLst>
           </p:cNvPr>
@@ -5807,15 +5926,21 @@
           <p:nvPr/>
         </p:nvPicPr>
         <p:blipFill>
-          <a:blip r:embed="rId3"/>
+          <a:blip r:embed="rId3">
+            <a:extLst>
+              <a:ext uri="{28A0092B-C50C-407E-A947-70E740481C1C}">
+                <a14:useLocalDpi xmlns:a14="http://schemas.microsoft.com/office/drawing/2010/main" val="0"/>
+              </a:ext>
+            </a:extLst>
+          </a:blip>
           <a:stretch>
             <a:fillRect/>
           </a:stretch>
         </p:blipFill>
         <p:spPr>
           <a:xfrm>
-            <a:off x="838200" y="1259836"/>
-            <a:ext cx="9334986" cy="4972482"/>
+            <a:off x="838200" y="1540565"/>
+            <a:ext cx="9187252" cy="4460428"/>
           </a:xfrm>
           <a:prstGeom prst="rect">
             <a:avLst/>
@@ -6889,10 +7014,10 @@
       </p:sp>
       <p:pic>
         <p:nvPicPr>
-          <p:cNvPr id="5" name="Picture 4">
+          <p:cNvPr id="3" name="Picture 2" descr="A screenshot of a computer&#10;&#10;AI-generated content may be incorrect.">
             <a:extLst>
               <a:ext uri="{FF2B5EF4-FFF2-40B4-BE49-F238E27FC236}">
-                <a16:creationId xmlns:a16="http://schemas.microsoft.com/office/drawing/2014/main" id="{57C7FA84-6368-FF7E-279F-0FECE1A3D338}"/>
+                <a16:creationId xmlns:a16="http://schemas.microsoft.com/office/drawing/2014/main" id="{B5C1B1FB-FBA4-DBEF-591E-7B5B0B5C80AD}"/>
               </a:ext>
             </a:extLst>
           </p:cNvPr>
@@ -6915,8 +7040,8 @@
         </p:blipFill>
         <p:spPr>
           <a:xfrm>
-            <a:off x="726440" y="1690688"/>
-            <a:ext cx="10515601" cy="3797452"/>
+            <a:off x="838200" y="1341781"/>
+            <a:ext cx="10317919" cy="4760875"/>
           </a:xfrm>
           <a:prstGeom prst="rect">
             <a:avLst/>
@@ -6983,10 +7108,10 @@
       </p:sp>
       <p:pic>
         <p:nvPicPr>
-          <p:cNvPr id="5" name="Picture 4">
+          <p:cNvPr id="4" name="Picture 3" descr="A screenshot of a computer">
             <a:extLst>
               <a:ext uri="{FF2B5EF4-FFF2-40B4-BE49-F238E27FC236}">
-                <a16:creationId xmlns:a16="http://schemas.microsoft.com/office/drawing/2014/main" id="{A131BC58-CAF9-819A-3232-72F6200E8B63}"/>
+                <a16:creationId xmlns:a16="http://schemas.microsoft.com/office/drawing/2014/main" id="{8E5DE356-A1FC-3141-D26A-0764BE8D337D}"/>
               </a:ext>
             </a:extLst>
           </p:cNvPr>
@@ -7009,8 +7134,8 @@
         </p:blipFill>
         <p:spPr>
           <a:xfrm>
-            <a:off x="340360" y="1351499"/>
-            <a:ext cx="11013440" cy="4698425"/>
+            <a:off x="755374" y="1420614"/>
+            <a:ext cx="10863470" cy="5072261"/>
           </a:xfrm>
           <a:prstGeom prst="rect">
             <a:avLst/>
@@ -7187,37 +7312,32 @@
       </p:sp>
       <p:pic>
         <p:nvPicPr>
-          <p:cNvPr id="5" name="Content Placeholder 4">
+          <p:cNvPr id="7" name="Picture 6">
             <a:extLst>
               <a:ext uri="{FF2B5EF4-FFF2-40B4-BE49-F238E27FC236}">
-                <a16:creationId xmlns:a16="http://schemas.microsoft.com/office/drawing/2014/main" id="{D07F272E-27EB-ACC9-C68F-8875D6C9E0A9}"/>
+                <a16:creationId xmlns:a16="http://schemas.microsoft.com/office/drawing/2014/main" id="{60C2053E-3747-FAE4-8731-33236006C78F}"/>
               </a:ext>
             </a:extLst>
           </p:cNvPr>
           <p:cNvPicPr>
-            <a:picLocks noGrp="1" noChangeAspect="1"/>
+            <a:picLocks noChangeAspect="1"/>
           </p:cNvPicPr>
-          <p:nvPr>
-            <p:ph sz="half" idx="1"/>
-          </p:nvPr>
+          <p:nvPr/>
         </p:nvPicPr>
         <p:blipFill>
-          <a:blip r:embed="rId3">
-            <a:extLst>
-              <a:ext uri="{28A0092B-C50C-407E-A947-70E740481C1C}">
-                <a14:useLocalDpi xmlns:a14="http://schemas.microsoft.com/office/drawing/2010/main" val="0"/>
-              </a:ext>
-            </a:extLst>
-          </a:blip>
+          <a:blip r:embed="rId3"/>
           <a:stretch>
             <a:fillRect/>
           </a:stretch>
         </p:blipFill>
         <p:spPr>
           <a:xfrm>
-            <a:off x="838200" y="1515973"/>
-            <a:ext cx="10515600" cy="4157841"/>
+            <a:off x="838200" y="1432477"/>
+            <a:ext cx="10363200" cy="4629150"/>
           </a:xfrm>
+          <a:prstGeom prst="rect">
+            <a:avLst/>
+          </a:prstGeom>
         </p:spPr>
       </p:pic>
     </p:spTree>
@@ -7385,10 +7505,10 @@
       </p:sp>
       <p:pic>
         <p:nvPicPr>
-          <p:cNvPr id="5" name="Picture 4">
+          <p:cNvPr id="7" name="Picture 6" descr="A screenshot of a computer&#10;&#10;AI-generated content may be incorrect.">
             <a:extLst>
               <a:ext uri="{FF2B5EF4-FFF2-40B4-BE49-F238E27FC236}">
-                <a16:creationId xmlns:a16="http://schemas.microsoft.com/office/drawing/2014/main" id="{F4D133B5-6A48-1692-DA35-33FF9877DB84}"/>
+                <a16:creationId xmlns:a16="http://schemas.microsoft.com/office/drawing/2014/main" id="{516FF5D4-5C33-D39C-8F42-2BBF87215F9F}"/>
               </a:ext>
             </a:extLst>
           </p:cNvPr>
@@ -7411,8 +7531,8 @@
         </p:blipFill>
         <p:spPr>
           <a:xfrm>
-            <a:off x="538480" y="1374956"/>
-            <a:ext cx="10728960" cy="4686148"/>
+            <a:off x="838200" y="1614192"/>
+            <a:ext cx="10167730" cy="4556669"/>
           </a:xfrm>
           <a:prstGeom prst="rect">
             <a:avLst/>
@@ -8243,7 +8363,7 @@
         </p:spPr>
         <p:txBody>
           <a:bodyPr>
-            <a:normAutofit/>
+            <a:normAutofit fontScale="92500" lnSpcReduction="20000"/>
           </a:bodyPr>
           <a:lstStyle/>
           <a:p>
@@ -8366,6 +8486,51 @@
                 <a:cs typeface="Arial" panose="020B0604020202020204" pitchFamily="34" charset="0"/>
               </a:rPr>
               <a:t>Page Object Model</a:t>
+            </a:r>
+          </a:p>
+          <a:p>
+            <a:pPr algn="just">
+              <a:lnSpc>
+                <a:spcPct val="100000"/>
+              </a:lnSpc>
+              <a:buClrTx/>
+              <a:buSzTx/>
+            </a:pPr>
+            <a:r>
+              <a:rPr lang="en-US" sz="2000" dirty="0">
+                <a:solidFill>
+                  <a:schemeClr val="tx1"/>
+                </a:solidFill>
+                <a:latin typeface="Arial" panose="020B0604020202020204" pitchFamily="34" charset="0"/>
+                <a:cs typeface="Arial" panose="020B0604020202020204" pitchFamily="34" charset="0"/>
+              </a:rPr>
+              <a:t>Rest Assured</a:t>
+            </a:r>
+          </a:p>
+          <a:p>
+            <a:pPr algn="just">
+              <a:lnSpc>
+                <a:spcPct val="100000"/>
+              </a:lnSpc>
+              <a:buClrTx/>
+              <a:buSzTx/>
+            </a:pPr>
+            <a:r>
+              <a:rPr lang="en-US" sz="2000" dirty="0">
+                <a:latin typeface="Arial" panose="020B0604020202020204" pitchFamily="34" charset="0"/>
+                <a:cs typeface="Arial" panose="020B0604020202020204" pitchFamily="34" charset="0"/>
+              </a:rPr>
+              <a:t>P</a:t>
+            </a:r>
+            <a:r>
+              <a:rPr lang="en-US" sz="2000" dirty="0">
+                <a:solidFill>
+                  <a:schemeClr val="tx1"/>
+                </a:solidFill>
+                <a:latin typeface="Arial" panose="020B0604020202020204" pitchFamily="34" charset="0"/>
+                <a:cs typeface="Arial" panose="020B0604020202020204" pitchFamily="34" charset="0"/>
+              </a:rPr>
+              <a:t>ostman</a:t>
             </a:r>
           </a:p>
           <a:p>
@@ -8692,6 +8857,32 @@
               </a:rPr>
               <a:t>Data-Driven approach</a:t>
             </a:r>
+          </a:p>
+          <a:p>
+            <a:pPr algn="just">
+              <a:lnSpc>
+                <a:spcPct val="100000"/>
+              </a:lnSpc>
+              <a:buClrTx/>
+              <a:buSzTx/>
+            </a:pPr>
+            <a:r>
+              <a:rPr lang="en-US" sz="2000">
+                <a:solidFill>
+                  <a:schemeClr val="tx1"/>
+                </a:solidFill>
+                <a:latin typeface="Arial" panose="020B0604020202020204" pitchFamily="34" charset="0"/>
+                <a:cs typeface="Arial" panose="020B0604020202020204" pitchFamily="34" charset="0"/>
+              </a:rPr>
+              <a:t>REST Assured</a:t>
+            </a:r>
+            <a:endParaRPr lang="en-US" sz="2000" dirty="0">
+              <a:solidFill>
+                <a:schemeClr val="tx1"/>
+              </a:solidFill>
+              <a:latin typeface="Arial" panose="020B0604020202020204" pitchFamily="34" charset="0"/>
+              <a:cs typeface="Arial" panose="020B0604020202020204" pitchFamily="34" charset="0"/>
+            </a:endParaRPr>
           </a:p>
           <a:p>
             <a:pPr algn="just">
@@ -9670,10 +9861,10 @@
       </p:sp>
       <p:pic>
         <p:nvPicPr>
-          <p:cNvPr id="3" name="Picture 2">
+          <p:cNvPr id="7" name="Picture 6" descr="A screenshot of a computer screen">
             <a:extLst>
               <a:ext uri="{FF2B5EF4-FFF2-40B4-BE49-F238E27FC236}">
-                <a16:creationId xmlns:a16="http://schemas.microsoft.com/office/drawing/2014/main" id="{1D71605C-DF0F-6A97-6222-A857DD0FACCC}"/>
+                <a16:creationId xmlns:a16="http://schemas.microsoft.com/office/drawing/2014/main" id="{2CA12BD0-E586-42A3-B86E-2469FFA05452}"/>
               </a:ext>
             </a:extLst>
           </p:cNvPr>
@@ -9696,8 +9887,8 @@
         </p:blipFill>
         <p:spPr>
           <a:xfrm>
-            <a:off x="1544319" y="1400811"/>
-            <a:ext cx="8097521" cy="4903468"/>
+            <a:off x="939801" y="1435100"/>
+            <a:ext cx="6464299" cy="4983478"/>
           </a:xfrm>
           <a:prstGeom prst="rect">
             <a:avLst/>
